--- a/Document/FRS/Happy_nut_house_v1.0.pptx
+++ b/Document/FRS/Happy_nut_house_v1.0.pptx
@@ -4,6 +4,14 @@
   <p:sldMasterIdLst>
     <p:sldMasterId id="2147483648" r:id="rId1"/>
   </p:sldMasterIdLst>
+  <p:sldIdLst>
+    <p:sldId id="256" r:id="rId2"/>
+    <p:sldId id="257" r:id="rId3"/>
+    <p:sldId id="258" r:id="rId4"/>
+    <p:sldId id="259" r:id="rId5"/>
+    <p:sldId id="260" r:id="rId6"/>
+    <p:sldId id="261" r:id="rId7"/>
+  </p:sldIdLst>
   <p:sldSz cx="9144000" cy="6858000" type="screen4x3"/>
   <p:notesSz cx="6858000" cy="9144000"/>
   <p:defaultTextStyle>
@@ -285,7 +293,7 @@
           <a:p>
             <a:fld id="{530820CF-B880-4189-942D-D702A7CBA730}" type="datetimeFigureOut">
               <a:rPr lang="zh-CN" altLang="en-US" smtClean="0"/>
-              <a:t>2006-9-7</a:t>
+              <a:t>2015/7/23</a:t>
             </a:fld>
             <a:endParaRPr lang="zh-CN" altLang="en-US"/>
           </a:p>
@@ -450,7 +458,7 @@
           <a:p>
             <a:fld id="{530820CF-B880-4189-942D-D702A7CBA730}" type="datetimeFigureOut">
               <a:rPr lang="zh-CN" altLang="en-US" smtClean="0"/>
-              <a:t>2006-9-7</a:t>
+              <a:t>2015/7/23</a:t>
             </a:fld>
             <a:endParaRPr lang="zh-CN" altLang="en-US"/>
           </a:p>
@@ -625,7 +633,7 @@
           <a:p>
             <a:fld id="{530820CF-B880-4189-942D-D702A7CBA730}" type="datetimeFigureOut">
               <a:rPr lang="zh-CN" altLang="en-US" smtClean="0"/>
-              <a:t>2006-9-7</a:t>
+              <a:t>2015/7/23</a:t>
             </a:fld>
             <a:endParaRPr lang="zh-CN" altLang="en-US"/>
           </a:p>
@@ -790,7 +798,7 @@
           <a:p>
             <a:fld id="{530820CF-B880-4189-942D-D702A7CBA730}" type="datetimeFigureOut">
               <a:rPr lang="zh-CN" altLang="en-US" smtClean="0"/>
-              <a:t>2006-9-7</a:t>
+              <a:t>2015/7/23</a:t>
             </a:fld>
             <a:endParaRPr lang="zh-CN" altLang="en-US"/>
           </a:p>
@@ -1031,7 +1039,7 @@
           <a:p>
             <a:fld id="{530820CF-B880-4189-942D-D702A7CBA730}" type="datetimeFigureOut">
               <a:rPr lang="zh-CN" altLang="en-US" smtClean="0"/>
-              <a:t>2006-9-7</a:t>
+              <a:t>2015/7/23</a:t>
             </a:fld>
             <a:endParaRPr lang="zh-CN" altLang="en-US"/>
           </a:p>
@@ -1314,7 +1322,7 @@
           <a:p>
             <a:fld id="{530820CF-B880-4189-942D-D702A7CBA730}" type="datetimeFigureOut">
               <a:rPr lang="zh-CN" altLang="en-US" smtClean="0"/>
-              <a:t>2006-9-7</a:t>
+              <a:t>2015/7/23</a:t>
             </a:fld>
             <a:endParaRPr lang="zh-CN" altLang="en-US"/>
           </a:p>
@@ -1731,7 +1739,7 @@
           <a:p>
             <a:fld id="{530820CF-B880-4189-942D-D702A7CBA730}" type="datetimeFigureOut">
               <a:rPr lang="zh-CN" altLang="en-US" smtClean="0"/>
-              <a:t>2006-9-7</a:t>
+              <a:t>2015/7/23</a:t>
             </a:fld>
             <a:endParaRPr lang="zh-CN" altLang="en-US"/>
           </a:p>
@@ -1844,7 +1852,7 @@
           <a:p>
             <a:fld id="{530820CF-B880-4189-942D-D702A7CBA730}" type="datetimeFigureOut">
               <a:rPr lang="zh-CN" altLang="en-US" smtClean="0"/>
-              <a:t>2006-9-7</a:t>
+              <a:t>2015/7/23</a:t>
             </a:fld>
             <a:endParaRPr lang="zh-CN" altLang="en-US"/>
           </a:p>
@@ -1934,7 +1942,7 @@
           <a:p>
             <a:fld id="{530820CF-B880-4189-942D-D702A7CBA730}" type="datetimeFigureOut">
               <a:rPr lang="zh-CN" altLang="en-US" smtClean="0"/>
-              <a:t>2006-9-7</a:t>
+              <a:t>2015/7/23</a:t>
             </a:fld>
             <a:endParaRPr lang="zh-CN" altLang="en-US"/>
           </a:p>
@@ -2206,7 +2214,7 @@
           <a:p>
             <a:fld id="{530820CF-B880-4189-942D-D702A7CBA730}" type="datetimeFigureOut">
               <a:rPr lang="zh-CN" altLang="en-US" smtClean="0"/>
-              <a:t>2006-9-7</a:t>
+              <a:t>2015/7/23</a:t>
             </a:fld>
             <a:endParaRPr lang="zh-CN" altLang="en-US"/>
           </a:p>
@@ -2454,7 +2462,7 @@
           <a:p>
             <a:fld id="{530820CF-B880-4189-942D-D702A7CBA730}" type="datetimeFigureOut">
               <a:rPr lang="zh-CN" altLang="en-US" smtClean="0"/>
-              <a:t>2006-9-7</a:t>
+              <a:t>2015/7/23</a:t>
             </a:fld>
             <a:endParaRPr lang="zh-CN" altLang="en-US"/>
           </a:p>
@@ -2662,7 +2670,7 @@
           <a:p>
             <a:fld id="{530820CF-B880-4189-942D-D702A7CBA730}" type="datetimeFigureOut">
               <a:rPr lang="zh-CN" altLang="en-US" smtClean="0"/>
-              <a:t>2006-9-7</a:t>
+              <a:t>2015/7/23</a:t>
             </a:fld>
             <a:endParaRPr lang="zh-CN" altLang="en-US"/>
           </a:p>
@@ -3013,6 +3021,632 @@
     </p:otherStyle>
   </p:txStyles>
 </p:sldMaster>
+</file>
+
+<file path=ppt/slides/slide1.xml><?xml version="1.0" encoding="utf-8"?>
+<p:sld xmlns:a="http://schemas.openxmlformats.org/drawingml/2006/main" xmlns:r="http://schemas.openxmlformats.org/officeDocument/2006/relationships" xmlns:p="http://schemas.openxmlformats.org/presentationml/2006/main">
+  <p:cSld>
+    <p:spTree>
+      <p:nvGrpSpPr>
+        <p:cNvPr id="1" name=""/>
+        <p:cNvGrpSpPr/>
+        <p:nvPr/>
+      </p:nvGrpSpPr>
+      <p:grpSpPr>
+        <a:xfrm>
+          <a:off x="0" y="0"/>
+          <a:ext cx="0" cy="0"/>
+          <a:chOff x="0" y="0"/>
+          <a:chExt cx="0" cy="0"/>
+        </a:xfrm>
+      </p:grpSpPr>
+      <p:sp>
+        <p:nvSpPr>
+          <p:cNvPr id="2" name="标题 1"/>
+          <p:cNvSpPr>
+            <a:spLocks noGrp="1"/>
+          </p:cNvSpPr>
+          <p:nvPr>
+            <p:ph type="ctrTitle"/>
+          </p:nvPr>
+        </p:nvSpPr>
+        <p:spPr/>
+        <p:txBody>
+          <a:bodyPr/>
+          <a:lstStyle/>
+          <a:p>
+            <a:r>
+              <a:rPr lang="en-US" altLang="zh-CN" dirty="0" err="1" smtClean="0"/>
+              <a:t>Happy_Nut_House</a:t>
+            </a:r>
+            <a:endParaRPr lang="zh-CN" altLang="en-US" dirty="0"/>
+          </a:p>
+        </p:txBody>
+      </p:sp>
+      <p:sp>
+        <p:nvSpPr>
+          <p:cNvPr id="3" name="副标题 2"/>
+          <p:cNvSpPr>
+            <a:spLocks noGrp="1"/>
+          </p:cNvSpPr>
+          <p:nvPr>
+            <p:ph type="subTitle" idx="1"/>
+          </p:nvPr>
+        </p:nvSpPr>
+        <p:spPr/>
+        <p:txBody>
+          <a:bodyPr/>
+          <a:lstStyle/>
+          <a:p>
+            <a:r>
+              <a:rPr lang="en-US" altLang="zh-CN" dirty="0" smtClean="0"/>
+              <a:t>V1.0</a:t>
+            </a:r>
+          </a:p>
+          <a:p>
+            <a:r>
+              <a:rPr lang="zh-CN" altLang="en-US" dirty="0"/>
+              <a:t>刘乔</a:t>
+            </a:r>
+          </a:p>
+        </p:txBody>
+      </p:sp>
+    </p:spTree>
+    <p:extLst>
+      <p:ext uri="{BB962C8B-B14F-4D97-AF65-F5344CB8AC3E}">
+        <p14:creationId xmlns:p14="http://schemas.microsoft.com/office/powerpoint/2010/main" val="744159845"/>
+      </p:ext>
+    </p:extLst>
+  </p:cSld>
+  <p:clrMapOvr>
+    <a:masterClrMapping/>
+  </p:clrMapOvr>
+</p:sld>
+</file>
+
+<file path=ppt/slides/slide2.xml><?xml version="1.0" encoding="utf-8"?>
+<p:sld xmlns:a="http://schemas.openxmlformats.org/drawingml/2006/main" xmlns:r="http://schemas.openxmlformats.org/officeDocument/2006/relationships" xmlns:p="http://schemas.openxmlformats.org/presentationml/2006/main">
+  <p:cSld>
+    <p:spTree>
+      <p:nvGrpSpPr>
+        <p:cNvPr id="1" name=""/>
+        <p:cNvGrpSpPr/>
+        <p:nvPr/>
+      </p:nvGrpSpPr>
+      <p:grpSpPr>
+        <a:xfrm>
+          <a:off x="0" y="0"/>
+          <a:ext cx="0" cy="0"/>
+          <a:chOff x="0" y="0"/>
+          <a:chExt cx="0" cy="0"/>
+        </a:xfrm>
+      </p:grpSpPr>
+      <p:sp>
+        <p:nvSpPr>
+          <p:cNvPr id="2" name="标题 1"/>
+          <p:cNvSpPr>
+            <a:spLocks noGrp="1"/>
+          </p:cNvSpPr>
+          <p:nvPr>
+            <p:ph type="title"/>
+          </p:nvPr>
+        </p:nvSpPr>
+        <p:spPr/>
+        <p:txBody>
+          <a:bodyPr/>
+          <a:lstStyle/>
+          <a:p>
+            <a:endParaRPr lang="zh-CN" altLang="en-US" dirty="0"/>
+          </a:p>
+        </p:txBody>
+      </p:sp>
+      <p:sp>
+        <p:nvSpPr>
+          <p:cNvPr id="3" name="内容占位符 2"/>
+          <p:cNvSpPr>
+            <a:spLocks noGrp="1"/>
+          </p:cNvSpPr>
+          <p:nvPr>
+            <p:ph idx="1"/>
+          </p:nvPr>
+        </p:nvSpPr>
+        <p:spPr/>
+        <p:txBody>
+          <a:bodyPr/>
+          <a:lstStyle/>
+          <a:p>
+            <a:endParaRPr lang="zh-CN" altLang="en-US" dirty="0"/>
+          </a:p>
+        </p:txBody>
+      </p:sp>
+      <p:pic>
+        <p:nvPicPr>
+          <p:cNvPr id="1026" name="Picture 2" descr="C:\Users\liuqiao\Desktop\nut_house\1553788116.jpg"/>
+          <p:cNvPicPr>
+            <a:picLocks noChangeAspect="1" noChangeArrowheads="1"/>
+          </p:cNvPicPr>
+          <p:nvPr/>
+        </p:nvPicPr>
+        <p:blipFill>
+          <a:blip r:embed="rId2">
+            <a:extLst>
+              <a:ext uri="{28A0092B-C50C-407E-A947-70E740481C1C}">
+                <a14:useLocalDpi xmlns:a14="http://schemas.microsoft.com/office/drawing/2010/main" val="0"/>
+              </a:ext>
+            </a:extLst>
+          </a:blip>
+          <a:srcRect/>
+          <a:stretch>
+            <a:fillRect/>
+          </a:stretch>
+        </p:blipFill>
+        <p:spPr bwMode="auto">
+          <a:xfrm>
+            <a:off x="2699792" y="260648"/>
+            <a:ext cx="3579027" cy="6371565"/>
+          </a:xfrm>
+          <a:prstGeom prst="rect">
+            <a:avLst/>
+          </a:prstGeom>
+          <a:noFill/>
+          <a:extLst>
+            <a:ext uri="{909E8E84-426E-40DD-AFC4-6F175D3DCCD1}">
+              <a14:hiddenFill xmlns:a14="http://schemas.microsoft.com/office/drawing/2010/main">
+                <a:solidFill>
+                  <a:srgbClr val="FFFFFF"/>
+                </a:solidFill>
+              </a14:hiddenFill>
+            </a:ext>
+          </a:extLst>
+        </p:spPr>
+      </p:pic>
+    </p:spTree>
+    <p:extLst>
+      <p:ext uri="{BB962C8B-B14F-4D97-AF65-F5344CB8AC3E}">
+        <p14:creationId xmlns:p14="http://schemas.microsoft.com/office/powerpoint/2010/main" val="2722930499"/>
+      </p:ext>
+    </p:extLst>
+  </p:cSld>
+  <p:clrMapOvr>
+    <a:masterClrMapping/>
+  </p:clrMapOvr>
+</p:sld>
+</file>
+
+<file path=ppt/slides/slide3.xml><?xml version="1.0" encoding="utf-8"?>
+<p:sld xmlns:a="http://schemas.openxmlformats.org/drawingml/2006/main" xmlns:r="http://schemas.openxmlformats.org/officeDocument/2006/relationships" xmlns:p="http://schemas.openxmlformats.org/presentationml/2006/main">
+  <p:cSld>
+    <p:spTree>
+      <p:nvGrpSpPr>
+        <p:cNvPr id="1" name=""/>
+        <p:cNvGrpSpPr/>
+        <p:nvPr/>
+      </p:nvGrpSpPr>
+      <p:grpSpPr>
+        <a:xfrm>
+          <a:off x="0" y="0"/>
+          <a:ext cx="0" cy="0"/>
+          <a:chOff x="0" y="0"/>
+          <a:chExt cx="0" cy="0"/>
+        </a:xfrm>
+      </p:grpSpPr>
+      <p:sp>
+        <p:nvSpPr>
+          <p:cNvPr id="2" name="标题 1"/>
+          <p:cNvSpPr>
+            <a:spLocks noGrp="1"/>
+          </p:cNvSpPr>
+          <p:nvPr>
+            <p:ph type="title"/>
+          </p:nvPr>
+        </p:nvSpPr>
+        <p:spPr/>
+        <p:txBody>
+          <a:bodyPr/>
+          <a:lstStyle/>
+          <a:p>
+            <a:endParaRPr lang="zh-CN" altLang="en-US"/>
+          </a:p>
+        </p:txBody>
+      </p:sp>
+      <p:sp>
+        <p:nvSpPr>
+          <p:cNvPr id="3" name="内容占位符 2"/>
+          <p:cNvSpPr>
+            <a:spLocks noGrp="1"/>
+          </p:cNvSpPr>
+          <p:nvPr>
+            <p:ph idx="1"/>
+          </p:nvPr>
+        </p:nvSpPr>
+        <p:spPr/>
+        <p:txBody>
+          <a:bodyPr/>
+          <a:lstStyle/>
+          <a:p>
+            <a:endParaRPr lang="zh-CN" altLang="en-US"/>
+          </a:p>
+        </p:txBody>
+      </p:sp>
+      <p:pic>
+        <p:nvPicPr>
+          <p:cNvPr id="2050" name="Picture 2" descr="C:\Users\liuqiao\Desktop\nut_house\1668042609.jpg"/>
+          <p:cNvPicPr>
+            <a:picLocks noChangeAspect="1" noChangeArrowheads="1"/>
+          </p:cNvPicPr>
+          <p:nvPr/>
+        </p:nvPicPr>
+        <p:blipFill>
+          <a:blip r:embed="rId2">
+            <a:extLst>
+              <a:ext uri="{28A0092B-C50C-407E-A947-70E740481C1C}">
+                <a14:useLocalDpi xmlns:a14="http://schemas.microsoft.com/office/drawing/2010/main" val="0"/>
+              </a:ext>
+            </a:extLst>
+          </a:blip>
+          <a:srcRect/>
+          <a:stretch>
+            <a:fillRect/>
+          </a:stretch>
+        </p:blipFill>
+        <p:spPr bwMode="auto">
+          <a:xfrm>
+            <a:off x="2699792" y="260648"/>
+            <a:ext cx="3503615" cy="6237312"/>
+          </a:xfrm>
+          <a:prstGeom prst="rect">
+            <a:avLst/>
+          </a:prstGeom>
+          <a:noFill/>
+          <a:extLst>
+            <a:ext uri="{909E8E84-426E-40DD-AFC4-6F175D3DCCD1}">
+              <a14:hiddenFill xmlns:a14="http://schemas.microsoft.com/office/drawing/2010/main">
+                <a:solidFill>
+                  <a:srgbClr val="FFFFFF"/>
+                </a:solidFill>
+              </a14:hiddenFill>
+            </a:ext>
+          </a:extLst>
+        </p:spPr>
+      </p:pic>
+    </p:spTree>
+    <p:extLst>
+      <p:ext uri="{BB962C8B-B14F-4D97-AF65-F5344CB8AC3E}">
+        <p14:creationId xmlns:p14="http://schemas.microsoft.com/office/powerpoint/2010/main" val="1710357457"/>
+      </p:ext>
+    </p:extLst>
+  </p:cSld>
+  <p:clrMapOvr>
+    <a:masterClrMapping/>
+  </p:clrMapOvr>
+</p:sld>
+</file>
+
+<file path=ppt/slides/slide4.xml><?xml version="1.0" encoding="utf-8"?>
+<p:sld xmlns:a="http://schemas.openxmlformats.org/drawingml/2006/main" xmlns:r="http://schemas.openxmlformats.org/officeDocument/2006/relationships" xmlns:p="http://schemas.openxmlformats.org/presentationml/2006/main">
+  <p:cSld>
+    <p:spTree>
+      <p:nvGrpSpPr>
+        <p:cNvPr id="1" name=""/>
+        <p:cNvGrpSpPr/>
+        <p:nvPr/>
+      </p:nvGrpSpPr>
+      <p:grpSpPr>
+        <a:xfrm>
+          <a:off x="0" y="0"/>
+          <a:ext cx="0" cy="0"/>
+          <a:chOff x="0" y="0"/>
+          <a:chExt cx="0" cy="0"/>
+        </a:xfrm>
+      </p:grpSpPr>
+      <p:sp>
+        <p:nvSpPr>
+          <p:cNvPr id="2" name="标题 1"/>
+          <p:cNvSpPr>
+            <a:spLocks noGrp="1"/>
+          </p:cNvSpPr>
+          <p:nvPr>
+            <p:ph type="title"/>
+          </p:nvPr>
+        </p:nvSpPr>
+        <p:spPr/>
+        <p:txBody>
+          <a:bodyPr/>
+          <a:lstStyle/>
+          <a:p>
+            <a:endParaRPr lang="zh-CN" altLang="en-US"/>
+          </a:p>
+        </p:txBody>
+      </p:sp>
+      <p:sp>
+        <p:nvSpPr>
+          <p:cNvPr id="3" name="内容占位符 2"/>
+          <p:cNvSpPr>
+            <a:spLocks noGrp="1"/>
+          </p:cNvSpPr>
+          <p:nvPr>
+            <p:ph idx="1"/>
+          </p:nvPr>
+        </p:nvSpPr>
+        <p:spPr/>
+        <p:txBody>
+          <a:bodyPr/>
+          <a:lstStyle/>
+          <a:p>
+            <a:endParaRPr lang="zh-CN" altLang="en-US"/>
+          </a:p>
+        </p:txBody>
+      </p:sp>
+      <p:pic>
+        <p:nvPicPr>
+          <p:cNvPr id="3074" name="Picture 2" descr="C:\Users\liuqiao\Desktop\nut_house\1845491339.jpg"/>
+          <p:cNvPicPr>
+            <a:picLocks noChangeAspect="1" noChangeArrowheads="1"/>
+          </p:cNvPicPr>
+          <p:nvPr/>
+        </p:nvPicPr>
+        <p:blipFill>
+          <a:blip r:embed="rId2">
+            <a:extLst>
+              <a:ext uri="{28A0092B-C50C-407E-A947-70E740481C1C}">
+                <a14:useLocalDpi xmlns:a14="http://schemas.microsoft.com/office/drawing/2010/main" val="0"/>
+              </a:ext>
+            </a:extLst>
+          </a:blip>
+          <a:srcRect/>
+          <a:stretch>
+            <a:fillRect/>
+          </a:stretch>
+        </p:blipFill>
+        <p:spPr bwMode="auto">
+          <a:xfrm>
+            <a:off x="2411760" y="260648"/>
+            <a:ext cx="3611695" cy="6429722"/>
+          </a:xfrm>
+          <a:prstGeom prst="rect">
+            <a:avLst/>
+          </a:prstGeom>
+          <a:noFill/>
+          <a:extLst>
+            <a:ext uri="{909E8E84-426E-40DD-AFC4-6F175D3DCCD1}">
+              <a14:hiddenFill xmlns:a14="http://schemas.microsoft.com/office/drawing/2010/main">
+                <a:solidFill>
+                  <a:srgbClr val="FFFFFF"/>
+                </a:solidFill>
+              </a14:hiddenFill>
+            </a:ext>
+          </a:extLst>
+        </p:spPr>
+      </p:pic>
+    </p:spTree>
+    <p:extLst>
+      <p:ext uri="{BB962C8B-B14F-4D97-AF65-F5344CB8AC3E}">
+        <p14:creationId xmlns:p14="http://schemas.microsoft.com/office/powerpoint/2010/main" val="3725159649"/>
+      </p:ext>
+    </p:extLst>
+  </p:cSld>
+  <p:clrMapOvr>
+    <a:masterClrMapping/>
+  </p:clrMapOvr>
+</p:sld>
+</file>
+
+<file path=ppt/slides/slide5.xml><?xml version="1.0" encoding="utf-8"?>
+<p:sld xmlns:a="http://schemas.openxmlformats.org/drawingml/2006/main" xmlns:r="http://schemas.openxmlformats.org/officeDocument/2006/relationships" xmlns:p="http://schemas.openxmlformats.org/presentationml/2006/main">
+  <p:cSld>
+    <p:spTree>
+      <p:nvGrpSpPr>
+        <p:cNvPr id="1" name=""/>
+        <p:cNvGrpSpPr/>
+        <p:nvPr/>
+      </p:nvGrpSpPr>
+      <p:grpSpPr>
+        <a:xfrm>
+          <a:off x="0" y="0"/>
+          <a:ext cx="0" cy="0"/>
+          <a:chOff x="0" y="0"/>
+          <a:chExt cx="0" cy="0"/>
+        </a:xfrm>
+      </p:grpSpPr>
+      <p:sp>
+        <p:nvSpPr>
+          <p:cNvPr id="2" name="标题 1"/>
+          <p:cNvSpPr>
+            <a:spLocks noGrp="1"/>
+          </p:cNvSpPr>
+          <p:nvPr>
+            <p:ph type="title"/>
+          </p:nvPr>
+        </p:nvSpPr>
+        <p:spPr/>
+        <p:txBody>
+          <a:bodyPr/>
+          <a:lstStyle/>
+          <a:p>
+            <a:endParaRPr lang="zh-CN" altLang="en-US"/>
+          </a:p>
+        </p:txBody>
+      </p:sp>
+      <p:sp>
+        <p:nvSpPr>
+          <p:cNvPr id="3" name="内容占位符 2"/>
+          <p:cNvSpPr>
+            <a:spLocks noGrp="1"/>
+          </p:cNvSpPr>
+          <p:nvPr>
+            <p:ph idx="1"/>
+          </p:nvPr>
+        </p:nvSpPr>
+        <p:spPr/>
+        <p:txBody>
+          <a:bodyPr/>
+          <a:lstStyle/>
+          <a:p>
+            <a:endParaRPr lang="zh-CN" altLang="en-US"/>
+          </a:p>
+        </p:txBody>
+      </p:sp>
+      <p:pic>
+        <p:nvPicPr>
+          <p:cNvPr id="4098" name="Picture 2" descr="C:\Users\liuqiao\Desktop\nut_house\1787069988.jpg"/>
+          <p:cNvPicPr>
+            <a:picLocks noChangeAspect="1" noChangeArrowheads="1"/>
+          </p:cNvPicPr>
+          <p:nvPr/>
+        </p:nvPicPr>
+        <p:blipFill>
+          <a:blip r:embed="rId2">
+            <a:extLst>
+              <a:ext uri="{28A0092B-C50C-407E-A947-70E740481C1C}">
+                <a14:useLocalDpi xmlns:a14="http://schemas.microsoft.com/office/drawing/2010/main" val="0"/>
+              </a:ext>
+            </a:extLst>
+          </a:blip>
+          <a:srcRect/>
+          <a:stretch>
+            <a:fillRect/>
+          </a:stretch>
+        </p:blipFill>
+        <p:spPr bwMode="auto">
+          <a:xfrm>
+            <a:off x="2627784" y="260648"/>
+            <a:ext cx="3437419" cy="6119465"/>
+          </a:xfrm>
+          <a:prstGeom prst="rect">
+            <a:avLst/>
+          </a:prstGeom>
+          <a:noFill/>
+          <a:extLst>
+            <a:ext uri="{909E8E84-426E-40DD-AFC4-6F175D3DCCD1}">
+              <a14:hiddenFill xmlns:a14="http://schemas.microsoft.com/office/drawing/2010/main">
+                <a:solidFill>
+                  <a:srgbClr val="FFFFFF"/>
+                </a:solidFill>
+              </a14:hiddenFill>
+            </a:ext>
+          </a:extLst>
+        </p:spPr>
+      </p:pic>
+    </p:spTree>
+    <p:extLst>
+      <p:ext uri="{BB962C8B-B14F-4D97-AF65-F5344CB8AC3E}">
+        <p14:creationId xmlns:p14="http://schemas.microsoft.com/office/powerpoint/2010/main" val="2982190287"/>
+      </p:ext>
+    </p:extLst>
+  </p:cSld>
+  <p:clrMapOvr>
+    <a:masterClrMapping/>
+  </p:clrMapOvr>
+</p:sld>
+</file>
+
+<file path=ppt/slides/slide6.xml><?xml version="1.0" encoding="utf-8"?>
+<p:sld xmlns:a="http://schemas.openxmlformats.org/drawingml/2006/main" xmlns:r="http://schemas.openxmlformats.org/officeDocument/2006/relationships" xmlns:p="http://schemas.openxmlformats.org/presentationml/2006/main">
+  <p:cSld>
+    <p:spTree>
+      <p:nvGrpSpPr>
+        <p:cNvPr id="1" name=""/>
+        <p:cNvGrpSpPr/>
+        <p:nvPr/>
+      </p:nvGrpSpPr>
+      <p:grpSpPr>
+        <a:xfrm>
+          <a:off x="0" y="0"/>
+          <a:ext cx="0" cy="0"/>
+          <a:chOff x="0" y="0"/>
+          <a:chExt cx="0" cy="0"/>
+        </a:xfrm>
+      </p:grpSpPr>
+      <p:sp>
+        <p:nvSpPr>
+          <p:cNvPr id="2" name="标题 1"/>
+          <p:cNvSpPr>
+            <a:spLocks noGrp="1"/>
+          </p:cNvSpPr>
+          <p:nvPr>
+            <p:ph type="title"/>
+          </p:nvPr>
+        </p:nvSpPr>
+        <p:spPr/>
+        <p:txBody>
+          <a:bodyPr/>
+          <a:lstStyle/>
+          <a:p>
+            <a:endParaRPr lang="zh-CN" altLang="en-US"/>
+          </a:p>
+        </p:txBody>
+      </p:sp>
+      <p:sp>
+        <p:nvSpPr>
+          <p:cNvPr id="3" name="内容占位符 2"/>
+          <p:cNvSpPr>
+            <a:spLocks noGrp="1"/>
+          </p:cNvSpPr>
+          <p:nvPr>
+            <p:ph idx="1"/>
+          </p:nvPr>
+        </p:nvSpPr>
+        <p:spPr/>
+        <p:txBody>
+          <a:bodyPr/>
+          <a:lstStyle/>
+          <a:p>
+            <a:endParaRPr lang="zh-CN" altLang="en-US"/>
+          </a:p>
+        </p:txBody>
+      </p:sp>
+      <p:pic>
+        <p:nvPicPr>
+          <p:cNvPr id="5122" name="Picture 2" descr="C:\Users\liuqiao\Desktop\nut_house\46634142.jpg"/>
+          <p:cNvPicPr>
+            <a:picLocks noChangeAspect="1" noChangeArrowheads="1"/>
+          </p:cNvPicPr>
+          <p:nvPr/>
+        </p:nvPicPr>
+        <p:blipFill>
+          <a:blip r:embed="rId2">
+            <a:extLst>
+              <a:ext uri="{28A0092B-C50C-407E-A947-70E740481C1C}">
+                <a14:useLocalDpi xmlns:a14="http://schemas.microsoft.com/office/drawing/2010/main" val="0"/>
+              </a:ext>
+            </a:extLst>
+          </a:blip>
+          <a:srcRect/>
+          <a:stretch>
+            <a:fillRect/>
+          </a:stretch>
+        </p:blipFill>
+        <p:spPr bwMode="auto">
+          <a:xfrm>
+            <a:off x="2627784" y="292023"/>
+            <a:ext cx="3357204" cy="5976664"/>
+          </a:xfrm>
+          <a:prstGeom prst="rect">
+            <a:avLst/>
+          </a:prstGeom>
+          <a:noFill/>
+          <a:extLst>
+            <a:ext uri="{909E8E84-426E-40DD-AFC4-6F175D3DCCD1}">
+              <a14:hiddenFill xmlns:a14="http://schemas.microsoft.com/office/drawing/2010/main">
+                <a:solidFill>
+                  <a:srgbClr val="FFFFFF"/>
+                </a:solidFill>
+              </a14:hiddenFill>
+            </a:ext>
+          </a:extLst>
+        </p:spPr>
+      </p:pic>
+    </p:spTree>
+    <p:extLst>
+      <p:ext uri="{BB962C8B-B14F-4D97-AF65-F5344CB8AC3E}">
+        <p14:creationId xmlns:p14="http://schemas.microsoft.com/office/powerpoint/2010/main" val="4194737495"/>
+      </p:ext>
+    </p:extLst>
+  </p:cSld>
+  <p:clrMapOvr>
+    <a:masterClrMapping/>
+  </p:clrMapOvr>
+</p:sld>
 </file>
 
 <file path=ppt/theme/theme1.xml><?xml version="1.0" encoding="utf-8"?>
